--- a/周盛/UML基础III-更新3.0.pptx
+++ b/周盛/UML基础III-更新3.0.pptx
@@ -240,7 +240,7 @@
           <a:p>
             <a:fld id="{688D8800-4BFF-4416-9148-C9E6947F365D}" type="datetimeFigureOut">
               <a:rPr lang="zh-CN" altLang="en-US" smtClean="0"/>
-              <a:t>2017/12/20</a:t>
+              <a:t>2018/1/1</a:t>
             </a:fld>
             <a:endParaRPr lang="zh-CN" altLang="en-US"/>
           </a:p>
@@ -2393,7 +2393,7 @@
           <a:p>
             <a:fld id="{DAFC83C4-A236-483F-94E1-16AFA86FAD07}" type="datetimeFigureOut">
               <a:rPr lang="zh-CN" altLang="en-US" smtClean="0"/>
-              <a:t>2017/12/20</a:t>
+              <a:t>2018/1/1</a:t>
             </a:fld>
             <a:endParaRPr lang="zh-CN" altLang="en-US"/>
           </a:p>
@@ -2564,7 +2564,7 @@
           <a:p>
             <a:fld id="{1EC61D3F-34E9-4F9D-84A2-72367D9F9A68}" type="datetimeFigureOut">
               <a:rPr lang="zh-CN" altLang="en-US" smtClean="0"/>
-              <a:t>2017/12/20</a:t>
+              <a:t>2018/1/1</a:t>
             </a:fld>
             <a:endParaRPr lang="zh-CN" altLang="en-US"/>
           </a:p>
@@ -2884,7 +2884,7 @@
           <a:p>
             <a:fld id="{DAFC83C4-A236-483F-94E1-16AFA86FAD07}" type="datetimeFigureOut">
               <a:rPr lang="zh-CN" altLang="en-US" smtClean="0"/>
-              <a:t>2017/12/20</a:t>
+              <a:t>2018/1/1</a:t>
             </a:fld>
             <a:endParaRPr lang="zh-CN" altLang="en-US"/>
           </a:p>
@@ -3020,7 +3020,7 @@
           <a:p>
             <a:fld id="{DAFC83C4-A236-483F-94E1-16AFA86FAD07}" type="datetimeFigureOut">
               <a:rPr lang="zh-CN" altLang="en-US" smtClean="0"/>
-              <a:t>2017/12/20</a:t>
+              <a:t>2018/1/1</a:t>
             </a:fld>
             <a:endParaRPr lang="zh-CN" altLang="en-US"/>
           </a:p>
@@ -3575,7 +3575,7 @@
           <a:p>
             <a:fld id="{DAFC83C4-A236-483F-94E1-16AFA86FAD07}" type="datetimeFigureOut">
               <a:rPr lang="zh-CN" altLang="en-US" smtClean="0"/>
-              <a:t>2017/12/20</a:t>
+              <a:t>2018/1/1</a:t>
             </a:fld>
             <a:endParaRPr lang="zh-CN" altLang="en-US"/>
           </a:p>
@@ -3941,7 +3941,7 @@
           <a:p>
             <a:fld id="{DAFC83C4-A236-483F-94E1-16AFA86FAD07}" type="datetimeFigureOut">
               <a:rPr lang="zh-CN" altLang="en-US" smtClean="0"/>
-              <a:t>2017/12/20</a:t>
+              <a:t>2018/1/1</a:t>
             </a:fld>
             <a:endParaRPr lang="zh-CN" altLang="en-US"/>
           </a:p>
@@ -4111,7 +4111,7 @@
           <a:p>
             <a:fld id="{DAFC83C4-A236-483F-94E1-16AFA86FAD07}" type="datetimeFigureOut">
               <a:rPr lang="zh-CN" altLang="en-US" smtClean="0"/>
-              <a:t>2017/12/20</a:t>
+              <a:t>2018/1/1</a:t>
             </a:fld>
             <a:endParaRPr lang="zh-CN" altLang="en-US"/>
           </a:p>
@@ -4201,7 +4201,7 @@
           <a:p>
             <a:fld id="{DAFC83C4-A236-483F-94E1-16AFA86FAD07}" type="datetimeFigureOut">
               <a:rPr lang="zh-CN" altLang="en-US" smtClean="0"/>
-              <a:t>2017/12/20</a:t>
+              <a:t>2018/1/1</a:t>
             </a:fld>
             <a:endParaRPr lang="zh-CN" altLang="en-US"/>
           </a:p>
@@ -4501,7 +4501,7 @@
           <a:p>
             <a:fld id="{DAFC83C4-A236-483F-94E1-16AFA86FAD07}" type="datetimeFigureOut">
               <a:rPr lang="zh-CN" altLang="en-US" smtClean="0"/>
-              <a:t>2017/12/20</a:t>
+              <a:t>2018/1/1</a:t>
             </a:fld>
             <a:endParaRPr lang="zh-CN" altLang="en-US"/>
           </a:p>
@@ -4676,7 +4676,7 @@
           <a:p>
             <a:fld id="{DAFC83C4-A236-483F-94E1-16AFA86FAD07}" type="datetimeFigureOut">
               <a:rPr lang="zh-CN" altLang="en-US" smtClean="0"/>
-              <a:t>2017/12/20</a:t>
+              <a:t>2018/1/1</a:t>
             </a:fld>
             <a:endParaRPr lang="zh-CN" altLang="en-US"/>
           </a:p>
@@ -4893,7 +4893,7 @@
           <a:p>
             <a:fld id="{DAFC83C4-A236-483F-94E1-16AFA86FAD07}" type="datetimeFigureOut">
               <a:rPr lang="zh-CN" altLang="en-US" smtClean="0"/>
-              <a:t>2017/12/20</a:t>
+              <a:t>2018/1/1</a:t>
             </a:fld>
             <a:endParaRPr lang="zh-CN" altLang="en-US"/>
           </a:p>
@@ -10567,7 +10567,7 @@
               </a:lnSpc>
             </a:pPr>
             <a:r>
-              <a:rPr lang="zh-CN" altLang="en-US" dirty="0">
+              <a:rPr lang="zh-CN" altLang="en-US">
                 <a:solidFill>
                   <a:schemeClr val="tx1">
                     <a:lumMod val="95000"/>
@@ -10575,7 +10575,84 @@
                   </a:schemeClr>
                 </a:solidFill>
               </a:rPr>
-              <a:t>庞大的尸体分析要求我们将其按一定分时分解枨较小的模块</a:t>
+              <a:t>庞大</a:t>
+            </a:r>
+            <a:r>
+              <a:rPr lang="zh-CN" altLang="en-US" smtClean="0">
+                <a:solidFill>
+                  <a:schemeClr val="tx1">
+                    <a:lumMod val="95000"/>
+                    <a:lumOff val="5000"/>
+                  </a:schemeClr>
+                </a:solidFill>
+              </a:rPr>
+              <a:t>的软件分析</a:t>
+            </a:r>
+            <a:r>
+              <a:rPr lang="zh-CN" altLang="en-US" dirty="0">
+                <a:solidFill>
+                  <a:schemeClr val="tx1">
+                    <a:lumMod val="95000"/>
+                    <a:lumOff val="5000"/>
+                  </a:schemeClr>
+                </a:solidFill>
+              </a:rPr>
+              <a:t>要求我们将其按一定</a:t>
+            </a:r>
+            <a:r>
+              <a:rPr lang="zh-CN" altLang="en-US">
+                <a:solidFill>
+                  <a:schemeClr val="tx1">
+                    <a:lumMod val="95000"/>
+                    <a:lumOff val="5000"/>
+                  </a:schemeClr>
+                </a:solidFill>
+              </a:rPr>
+              <a:t>分时</a:t>
+            </a:r>
+            <a:r>
+              <a:rPr lang="zh-CN" altLang="en-US" smtClean="0">
+                <a:solidFill>
+                  <a:schemeClr val="tx1">
+                    <a:lumMod val="95000"/>
+                    <a:lumOff val="5000"/>
+                  </a:schemeClr>
+                </a:solidFill>
+              </a:rPr>
+              <a:t>分解</a:t>
+            </a:r>
+            <a:r>
+              <a:rPr lang="zh-CN" altLang="en-US">
+                <a:solidFill>
+                  <a:schemeClr val="tx1">
+                    <a:lumMod val="95000"/>
+                    <a:lumOff val="5000"/>
+                  </a:schemeClr>
+                </a:solidFill>
+              </a:rPr>
+              <a:t>成</a:t>
+            </a:r>
+            <a:r>
+              <a:rPr lang="zh-CN" altLang="en-US" smtClean="0">
+                <a:solidFill>
+                  <a:schemeClr val="tx1">
+                    <a:lumMod val="95000"/>
+                    <a:lumOff val="5000"/>
+                  </a:schemeClr>
+                </a:solidFill>
+              </a:rPr>
+              <a:t>较小</a:t>
+            </a:r>
+            <a:r>
+              <a:rPr lang="zh-CN" altLang="en-US" dirty="0">
+                <a:solidFill>
+                  <a:schemeClr val="tx1">
+                    <a:lumMod val="95000"/>
+                    <a:lumOff val="5000"/>
+                  </a:schemeClr>
+                </a:solidFill>
+              </a:rPr>
+              <a:t>的模块</a:t>
             </a:r>
             <a:endParaRPr lang="en-US" altLang="zh-CN" dirty="0">
               <a:solidFill>
@@ -11876,17 +11953,7 @@
                 <a:latin typeface="+mn-ea"/>
                 <a:sym typeface="+mn-ea"/>
               </a:rPr>
-              <a:t>对象</a:t>
-            </a:r>
-            <a:r>
-              <a:rPr lang="zh-CN" altLang="en-US" sz="3200" dirty="0" smtClean="0">
-                <a:solidFill>
-                  <a:schemeClr val="tx1"/>
-                </a:solidFill>
-                <a:latin typeface="+mn-ea"/>
-                <a:sym typeface="+mn-ea"/>
-              </a:rPr>
-              <a:t>图</a:t>
+              <a:t>对象图</a:t>
             </a:r>
             <a:r>
               <a:rPr lang="zh-CN" altLang="en-US" sz="3200" dirty="0" smtClean="0">
